--- a/slides/MongoDB.pptx
+++ b/slides/MongoDB.pptx
@@ -201,7 +201,7 @@
           <a:p>
             <a:fld id="{40C9EC12-D619-4239-BA0B-F64B757C48A8}" type="datetimeFigureOut">
               <a:rPr lang="bg-BG" smtClean="0"/>
-              <a:t>13.2.2017 г.</a:t>
+              <a:t>5.3.2017 г.</a:t>
             </a:fld>
             <a:endParaRPr lang="bg-BG"/>
           </a:p>
@@ -639,7 +639,7 @@
             <a:fld id="{87DE6118-2437-4B30-8E3C-4D2BE6020583}" type="datetimeFigureOut">
               <a:rPr lang="en-US" smtClean="0"/>
               <a:pPr/>
-              <a:t>2/13/2017</a:t>
+              <a:t>3/5/2017</a:t>
             </a:fld>
             <a:endParaRPr lang="en-US" dirty="0"/>
           </a:p>
@@ -970,7 +970,7 @@
           <a:p>
             <a:fld id="{87DE6118-2437-4B30-8E3C-4D2BE6020583}" type="datetimeFigureOut">
               <a:rPr lang="en-US" smtClean="0"/>
-              <a:t>2/13/2017</a:t>
+              <a:t>3/5/2017</a:t>
             </a:fld>
             <a:endParaRPr lang="en-US" dirty="0"/>
           </a:p>
@@ -1150,7 +1150,7 @@
           <a:p>
             <a:fld id="{87DE6118-2437-4B30-8E3C-4D2BE6020583}" type="datetimeFigureOut">
               <a:rPr lang="en-US" smtClean="0"/>
-              <a:t>2/13/2017</a:t>
+              <a:t>3/5/2017</a:t>
             </a:fld>
             <a:endParaRPr lang="en-US" dirty="0"/>
           </a:p>
@@ -1320,7 +1320,7 @@
           <a:p>
             <a:fld id="{87DE6118-2437-4B30-8E3C-4D2BE6020583}" type="datetimeFigureOut">
               <a:rPr lang="en-US" smtClean="0"/>
-              <a:t>2/13/2017</a:t>
+              <a:t>3/5/2017</a:t>
             </a:fld>
             <a:endParaRPr lang="en-US" dirty="0"/>
           </a:p>
@@ -1598,7 +1598,7 @@
             <a:fld id="{87DE6118-2437-4B30-8E3C-4D2BE6020583}" type="datetimeFigureOut">
               <a:rPr lang="en-US" smtClean="0"/>
               <a:pPr/>
-              <a:t>2/13/2017</a:t>
+              <a:t>3/5/2017</a:t>
             </a:fld>
             <a:endParaRPr lang="en-US" dirty="0"/>
           </a:p>
@@ -1993,7 +1993,7 @@
           <a:p>
             <a:fld id="{87DE6118-2437-4B30-8E3C-4D2BE6020583}" type="datetimeFigureOut">
               <a:rPr lang="en-US" smtClean="0"/>
-              <a:t>2/13/2017</a:t>
+              <a:t>3/5/2017</a:t>
             </a:fld>
             <a:endParaRPr lang="en-US" dirty="0"/>
           </a:p>
@@ -2470,7 +2470,7 @@
           <a:p>
             <a:fld id="{87DE6118-2437-4B30-8E3C-4D2BE6020583}" type="datetimeFigureOut">
               <a:rPr lang="en-US" smtClean="0"/>
-              <a:t>2/13/2017</a:t>
+              <a:t>3/5/2017</a:t>
             </a:fld>
             <a:endParaRPr lang="en-US" dirty="0"/>
           </a:p>
@@ -2588,7 +2588,7 @@
           <a:p>
             <a:fld id="{87DE6118-2437-4B30-8E3C-4D2BE6020583}" type="datetimeFigureOut">
               <a:rPr lang="en-US" smtClean="0"/>
-              <a:t>2/13/2017</a:t>
+              <a:t>3/5/2017</a:t>
             </a:fld>
             <a:endParaRPr lang="en-US" dirty="0"/>
           </a:p>
@@ -2683,7 +2683,7 @@
           <a:p>
             <a:fld id="{87DE6118-2437-4B30-8E3C-4D2BE6020583}" type="datetimeFigureOut">
               <a:rPr lang="en-US" smtClean="0"/>
-              <a:t>2/13/2017</a:t>
+              <a:t>3/5/2017</a:t>
             </a:fld>
             <a:endParaRPr lang="en-US" dirty="0"/>
           </a:p>
@@ -3030,7 +3030,7 @@
             <a:fld id="{87DE6118-2437-4B30-8E3C-4D2BE6020583}" type="datetimeFigureOut">
               <a:rPr lang="en-US" smtClean="0"/>
               <a:pPr/>
-              <a:t>2/13/2017</a:t>
+              <a:t>3/5/2017</a:t>
             </a:fld>
             <a:endParaRPr lang="en-US" dirty="0"/>
           </a:p>
@@ -3420,7 +3420,7 @@
             <a:fld id="{87DE6118-2437-4B30-8E3C-4D2BE6020583}" type="datetimeFigureOut">
               <a:rPr lang="en-US" smtClean="0"/>
               <a:pPr/>
-              <a:t>2/13/2017</a:t>
+              <a:t>3/5/2017</a:t>
             </a:fld>
             <a:endParaRPr lang="en-US" dirty="0"/>
           </a:p>
@@ -3700,7 +3700,7 @@
             <a:fld id="{87DE6118-2437-4B30-8E3C-4D2BE6020583}" type="datetimeFigureOut">
               <a:rPr lang="en-US" smtClean="0"/>
               <a:pPr/>
-              <a:t>2/13/2017</a:t>
+              <a:t>3/5/2017</a:t>
             </a:fld>
             <a:endParaRPr lang="en-US" dirty="0"/>
           </a:p>
@@ -4562,10 +4562,7 @@
     <p:bg>
       <p:bgPr>
         <a:solidFill>
-          <a:schemeClr val="tx1">
-            <a:lumMod val="85000"/>
-            <a:lumOff val="15000"/>
-          </a:schemeClr>
+          <a:srgbClr val="0070C0"/>
         </a:solidFill>
         <a:effectLst/>
       </p:bgPr>
